--- a/Mechanical/Schemenskizzen/Powerpoint/IBerechnung.pptx
+++ b/Mechanical/Schemenskizzen/Powerpoint/IBerechnung.pptx
@@ -104,6 +104,11 @@
       </a:defRPr>
     </a:lvl9pPr>
   </p:defaultTextStyle>
+  <p:extLst>
+    <p:ext uri="{EFAFB233-063F-42B5-8137-9DF3F51BA10A}">
+      <p15:sldGuideLst xmlns:p15="http://schemas.microsoft.com/office/powerpoint/2012/main"/>
+    </p:ext>
+  </p:extLst>
 </p:presentation>
 </file>
 
@@ -254,7 +259,7 @@
           <a:p>
             <a:fld id="{9132A863-98A4-4F0D-8B28-95C14FFE42F0}" type="datetimeFigureOut">
               <a:rPr lang="de-DE" smtClean="0"/>
-              <a:t>14.03.2018</a:t>
+              <a:t>24.03.2018</a:t>
             </a:fld>
             <a:endParaRPr lang="de-DE"/>
           </a:p>
@@ -452,7 +457,7 @@
           <a:p>
             <a:fld id="{9132A863-98A4-4F0D-8B28-95C14FFE42F0}" type="datetimeFigureOut">
               <a:rPr lang="de-DE" smtClean="0"/>
-              <a:t>14.03.2018</a:t>
+              <a:t>24.03.2018</a:t>
             </a:fld>
             <a:endParaRPr lang="de-DE"/>
           </a:p>
@@ -660,7 +665,7 @@
           <a:p>
             <a:fld id="{9132A863-98A4-4F0D-8B28-95C14FFE42F0}" type="datetimeFigureOut">
               <a:rPr lang="de-DE" smtClean="0"/>
-              <a:t>14.03.2018</a:t>
+              <a:t>24.03.2018</a:t>
             </a:fld>
             <a:endParaRPr lang="de-DE"/>
           </a:p>
@@ -858,7 +863,7 @@
           <a:p>
             <a:fld id="{9132A863-98A4-4F0D-8B28-95C14FFE42F0}" type="datetimeFigureOut">
               <a:rPr lang="de-DE" smtClean="0"/>
-              <a:t>14.03.2018</a:t>
+              <a:t>24.03.2018</a:t>
             </a:fld>
             <a:endParaRPr lang="de-DE"/>
           </a:p>
@@ -1133,7 +1138,7 @@
           <a:p>
             <a:fld id="{9132A863-98A4-4F0D-8B28-95C14FFE42F0}" type="datetimeFigureOut">
               <a:rPr lang="de-DE" smtClean="0"/>
-              <a:t>14.03.2018</a:t>
+              <a:t>24.03.2018</a:t>
             </a:fld>
             <a:endParaRPr lang="de-DE"/>
           </a:p>
@@ -1398,7 +1403,7 @@
           <a:p>
             <a:fld id="{9132A863-98A4-4F0D-8B28-95C14FFE42F0}" type="datetimeFigureOut">
               <a:rPr lang="de-DE" smtClean="0"/>
-              <a:t>14.03.2018</a:t>
+              <a:t>24.03.2018</a:t>
             </a:fld>
             <a:endParaRPr lang="de-DE"/>
           </a:p>
@@ -1810,7 +1815,7 @@
           <a:p>
             <a:fld id="{9132A863-98A4-4F0D-8B28-95C14FFE42F0}" type="datetimeFigureOut">
               <a:rPr lang="de-DE" smtClean="0"/>
-              <a:t>14.03.2018</a:t>
+              <a:t>24.03.2018</a:t>
             </a:fld>
             <a:endParaRPr lang="de-DE"/>
           </a:p>
@@ -1951,7 +1956,7 @@
           <a:p>
             <a:fld id="{9132A863-98A4-4F0D-8B28-95C14FFE42F0}" type="datetimeFigureOut">
               <a:rPr lang="de-DE" smtClean="0"/>
-              <a:t>14.03.2018</a:t>
+              <a:t>24.03.2018</a:t>
             </a:fld>
             <a:endParaRPr lang="de-DE"/>
           </a:p>
@@ -2064,7 +2069,7 @@
           <a:p>
             <a:fld id="{9132A863-98A4-4F0D-8B28-95C14FFE42F0}" type="datetimeFigureOut">
               <a:rPr lang="de-DE" smtClean="0"/>
-              <a:t>14.03.2018</a:t>
+              <a:t>24.03.2018</a:t>
             </a:fld>
             <a:endParaRPr lang="de-DE"/>
           </a:p>
@@ -2375,7 +2380,7 @@
           <a:p>
             <a:fld id="{9132A863-98A4-4F0D-8B28-95C14FFE42F0}" type="datetimeFigureOut">
               <a:rPr lang="de-DE" smtClean="0"/>
-              <a:t>14.03.2018</a:t>
+              <a:t>24.03.2018</a:t>
             </a:fld>
             <a:endParaRPr lang="de-DE"/>
           </a:p>
@@ -2663,7 +2668,7 @@
           <a:p>
             <a:fld id="{9132A863-98A4-4F0D-8B28-95C14FFE42F0}" type="datetimeFigureOut">
               <a:rPr lang="de-DE" smtClean="0"/>
-              <a:t>14.03.2018</a:t>
+              <a:t>24.03.2018</a:t>
             </a:fld>
             <a:endParaRPr lang="de-DE"/>
           </a:p>
@@ -2904,7 +2909,7 @@
           <a:p>
             <a:fld id="{9132A863-98A4-4F0D-8B28-95C14FFE42F0}" type="datetimeFigureOut">
               <a:rPr lang="de-DE" smtClean="0"/>
-              <a:t>14.03.2018</a:t>
+              <a:t>24.03.2018</a:t>
             </a:fld>
             <a:endParaRPr lang="de-DE"/>
           </a:p>
@@ -3323,10 +3328,10 @@
       </p:grpSpPr>
       <p:sp>
         <p:nvSpPr>
-          <p:cNvPr id="4" name="Rechteck 3">
-            <a:extLst>
-              <a:ext uri="{FF2B5EF4-FFF2-40B4-BE49-F238E27FC236}">
-                <a16:creationId xmlns:a16="http://schemas.microsoft.com/office/drawing/2014/main" id="{1E4A41B0-36F6-4E7A-9C97-7F4B847C6A7A}"/>
+          <p:cNvPr id="2" name="Rechteck 1">
+            <a:extLst>
+              <a:ext uri="{FF2B5EF4-FFF2-40B4-BE49-F238E27FC236}">
+                <a16:creationId xmlns:a16="http://schemas.microsoft.com/office/drawing/2014/main" id="{E859281F-DEE7-4CBA-9D97-9D2510F0991B}"/>
               </a:ext>
             </a:extLst>
           </p:cNvPr>
@@ -3335,8 +3340,8 @@
         </p:nvSpPr>
         <p:spPr>
           <a:xfrm>
-            <a:off x="3195961" y="1491450"/>
-            <a:ext cx="1225120" cy="683580"/>
+            <a:off x="2929631" y="2423604"/>
+            <a:ext cx="736847" cy="195309"/>
           </a:xfrm>
           <a:prstGeom prst="rect">
             <a:avLst/>
@@ -3344,11 +3349,6 @@
           <a:solidFill>
             <a:schemeClr val="bg1"/>
           </a:solidFill>
-          <a:ln>
-            <a:solidFill>
-              <a:schemeClr val="tx1"/>
-            </a:solidFill>
-          </a:ln>
         </p:spPr>
         <p:style>
           <a:lnRef idx="2">
@@ -3375,12 +3375,223 @@
           </a:p>
         </p:txBody>
       </p:sp>
-      <p:sp>
-        <p:nvSpPr>
-          <p:cNvPr id="6" name="Textfeld 5">
-            <a:extLst>
-              <a:ext uri="{FF2B5EF4-FFF2-40B4-BE49-F238E27FC236}">
-                <a16:creationId xmlns:a16="http://schemas.microsoft.com/office/drawing/2014/main" id="{F1937687-F172-4598-A8E9-FBE9F44DDF72}"/>
+      <p:cxnSp>
+        <p:nvCxnSpPr>
+          <p:cNvPr id="8" name="Gerader Verbinder 7">
+            <a:extLst>
+              <a:ext uri="{FF2B5EF4-FFF2-40B4-BE49-F238E27FC236}">
+                <a16:creationId xmlns:a16="http://schemas.microsoft.com/office/drawing/2014/main" id="{674B0CD5-CD80-4D8A-AA92-A429A4EF6C0B}"/>
+              </a:ext>
+            </a:extLst>
+          </p:cNvPr>
+          <p:cNvCxnSpPr>
+            <a:cxnSpLocks/>
+          </p:cNvCxnSpPr>
+          <p:nvPr/>
+        </p:nvCxnSpPr>
+        <p:spPr>
+          <a:xfrm flipV="1">
+            <a:off x="3666478" y="2219417"/>
+            <a:ext cx="612559" cy="399496"/>
+          </a:xfrm>
+          <a:prstGeom prst="line">
+            <a:avLst/>
+          </a:prstGeom>
+          <a:ln>
+            <a:solidFill>
+              <a:schemeClr val="tx1"/>
+            </a:solidFill>
+          </a:ln>
+        </p:spPr>
+        <p:style>
+          <a:lnRef idx="1">
+            <a:schemeClr val="accent1"/>
+          </a:lnRef>
+          <a:fillRef idx="0">
+            <a:schemeClr val="accent1"/>
+          </a:fillRef>
+          <a:effectRef idx="0">
+            <a:schemeClr val="accent1"/>
+          </a:effectRef>
+          <a:fontRef idx="minor">
+            <a:schemeClr val="tx1"/>
+          </a:fontRef>
+        </p:style>
+      </p:cxnSp>
+      <p:cxnSp>
+        <p:nvCxnSpPr>
+          <p:cNvPr id="9" name="Gerader Verbinder 8">
+            <a:extLst>
+              <a:ext uri="{FF2B5EF4-FFF2-40B4-BE49-F238E27FC236}">
+                <a16:creationId xmlns:a16="http://schemas.microsoft.com/office/drawing/2014/main" id="{1F6E997A-4F63-4B40-B0B4-F77674D873B8}"/>
+              </a:ext>
+            </a:extLst>
+          </p:cNvPr>
+          <p:cNvCxnSpPr>
+            <a:cxnSpLocks/>
+          </p:cNvCxnSpPr>
+          <p:nvPr/>
+        </p:nvCxnSpPr>
+        <p:spPr>
+          <a:xfrm flipV="1">
+            <a:off x="3666477" y="2019669"/>
+            <a:ext cx="612559" cy="399497"/>
+          </a:xfrm>
+          <a:prstGeom prst="line">
+            <a:avLst/>
+          </a:prstGeom>
+          <a:ln>
+            <a:solidFill>
+              <a:schemeClr val="tx1"/>
+            </a:solidFill>
+          </a:ln>
+        </p:spPr>
+        <p:style>
+          <a:lnRef idx="1">
+            <a:schemeClr val="accent1"/>
+          </a:lnRef>
+          <a:fillRef idx="0">
+            <a:schemeClr val="accent1"/>
+          </a:fillRef>
+          <a:effectRef idx="0">
+            <a:schemeClr val="accent1"/>
+          </a:effectRef>
+          <a:fontRef idx="minor">
+            <a:schemeClr val="tx1"/>
+          </a:fontRef>
+        </p:style>
+      </p:cxnSp>
+      <p:cxnSp>
+        <p:nvCxnSpPr>
+          <p:cNvPr id="10" name="Gerader Verbinder 9">
+            <a:extLst>
+              <a:ext uri="{FF2B5EF4-FFF2-40B4-BE49-F238E27FC236}">
+                <a16:creationId xmlns:a16="http://schemas.microsoft.com/office/drawing/2014/main" id="{0573843B-5A10-4F3C-B3A1-FFFD9CADE718}"/>
+              </a:ext>
+            </a:extLst>
+          </p:cNvPr>
+          <p:cNvCxnSpPr>
+            <a:cxnSpLocks/>
+          </p:cNvCxnSpPr>
+          <p:nvPr/>
+        </p:nvCxnSpPr>
+        <p:spPr>
+          <a:xfrm flipV="1">
+            <a:off x="2929630" y="2019669"/>
+            <a:ext cx="612559" cy="399496"/>
+          </a:xfrm>
+          <a:prstGeom prst="line">
+            <a:avLst/>
+          </a:prstGeom>
+          <a:ln>
+            <a:solidFill>
+              <a:schemeClr val="tx1"/>
+            </a:solidFill>
+          </a:ln>
+        </p:spPr>
+        <p:style>
+          <a:lnRef idx="1">
+            <a:schemeClr val="accent1"/>
+          </a:lnRef>
+          <a:fillRef idx="0">
+            <a:schemeClr val="accent1"/>
+          </a:fillRef>
+          <a:effectRef idx="0">
+            <a:schemeClr val="accent1"/>
+          </a:effectRef>
+          <a:fontRef idx="minor">
+            <a:schemeClr val="tx1"/>
+          </a:fontRef>
+        </p:style>
+      </p:cxnSp>
+      <p:cxnSp>
+        <p:nvCxnSpPr>
+          <p:cNvPr id="13" name="Gerader Verbinder 12">
+            <a:extLst>
+              <a:ext uri="{FF2B5EF4-FFF2-40B4-BE49-F238E27FC236}">
+                <a16:creationId xmlns:a16="http://schemas.microsoft.com/office/drawing/2014/main" id="{829EB01C-5915-4E65-979B-2F17FA287F3B}"/>
+              </a:ext>
+            </a:extLst>
+          </p:cNvPr>
+          <p:cNvCxnSpPr/>
+          <p:nvPr/>
+        </p:nvCxnSpPr>
+        <p:spPr>
+          <a:xfrm>
+            <a:off x="3542189" y="2019669"/>
+            <a:ext cx="736848" cy="0"/>
+          </a:xfrm>
+          <a:prstGeom prst="line">
+            <a:avLst/>
+          </a:prstGeom>
+          <a:ln>
+            <a:solidFill>
+              <a:schemeClr val="tx1"/>
+            </a:solidFill>
+          </a:ln>
+        </p:spPr>
+        <p:style>
+          <a:lnRef idx="1">
+            <a:schemeClr val="accent1"/>
+          </a:lnRef>
+          <a:fillRef idx="0">
+            <a:schemeClr val="accent1"/>
+          </a:fillRef>
+          <a:effectRef idx="0">
+            <a:schemeClr val="accent1"/>
+          </a:effectRef>
+          <a:fontRef idx="minor">
+            <a:schemeClr val="tx1"/>
+          </a:fontRef>
+        </p:style>
+      </p:cxnSp>
+      <p:cxnSp>
+        <p:nvCxnSpPr>
+          <p:cNvPr id="16" name="Gerader Verbinder 15">
+            <a:extLst>
+              <a:ext uri="{FF2B5EF4-FFF2-40B4-BE49-F238E27FC236}">
+                <a16:creationId xmlns:a16="http://schemas.microsoft.com/office/drawing/2014/main" id="{BA5180CF-54B7-4915-B1CC-FC63C8B2883A}"/>
+              </a:ext>
+            </a:extLst>
+          </p:cNvPr>
+          <p:cNvCxnSpPr/>
+          <p:nvPr/>
+        </p:nvCxnSpPr>
+        <p:spPr>
+          <a:xfrm flipV="1">
+            <a:off x="4279036" y="2019669"/>
+            <a:ext cx="0" cy="199748"/>
+          </a:xfrm>
+          <a:prstGeom prst="line">
+            <a:avLst/>
+          </a:prstGeom>
+          <a:ln>
+            <a:solidFill>
+              <a:schemeClr val="tx1"/>
+            </a:solidFill>
+          </a:ln>
+        </p:spPr>
+        <p:style>
+          <a:lnRef idx="1">
+            <a:schemeClr val="accent1"/>
+          </a:lnRef>
+          <a:fillRef idx="0">
+            <a:schemeClr val="accent1"/>
+          </a:fillRef>
+          <a:effectRef idx="0">
+            <a:schemeClr val="accent1"/>
+          </a:effectRef>
+          <a:fontRef idx="minor">
+            <a:schemeClr val="tx1"/>
+          </a:fontRef>
+        </p:style>
+      </p:cxnSp>
+      <p:sp>
+        <p:nvSpPr>
+          <p:cNvPr id="17" name="Textfeld 16">
+            <a:extLst>
+              <a:ext uri="{FF2B5EF4-FFF2-40B4-BE49-F238E27FC236}">
+                <a16:creationId xmlns:a16="http://schemas.microsoft.com/office/drawing/2014/main" id="{A3C63F34-9398-4645-9567-011FC28279EF}"/>
               </a:ext>
             </a:extLst>
           </p:cNvPr>
@@ -3389,8 +3600,8 @@
         </p:nvSpPr>
         <p:spPr>
           <a:xfrm>
-            <a:off x="4421081" y="1646809"/>
-            <a:ext cx="355107" cy="372862"/>
+            <a:off x="3972756" y="2325497"/>
+            <a:ext cx="435001" cy="369332"/>
           </a:xfrm>
           <a:prstGeom prst="rect">
             <a:avLst/>
@@ -3405,17 +3616,17 @@
           <a:p>
             <a:r>
               <a:rPr lang="de-DE" dirty="0"/>
-              <a:t>h</a:t>
-            </a:r>
-          </a:p>
-        </p:txBody>
-      </p:sp>
-      <p:sp>
-        <p:nvSpPr>
-          <p:cNvPr id="7" name="Textfeld 6">
-            <a:extLst>
-              <a:ext uri="{FF2B5EF4-FFF2-40B4-BE49-F238E27FC236}">
-                <a16:creationId xmlns:a16="http://schemas.microsoft.com/office/drawing/2014/main" id="{784E9695-BC11-4922-8B96-BAC4F070A1AC}"/>
+              <a:t>l</a:t>
+            </a:r>
+          </a:p>
+        </p:txBody>
+      </p:sp>
+      <p:sp>
+        <p:nvSpPr>
+          <p:cNvPr id="18" name="Textfeld 17">
+            <a:extLst>
+              <a:ext uri="{FF2B5EF4-FFF2-40B4-BE49-F238E27FC236}">
+                <a16:creationId xmlns:a16="http://schemas.microsoft.com/office/drawing/2014/main" id="{779BC342-D66A-4B97-BF57-6BDDBD47757D}"/>
               </a:ext>
             </a:extLst>
           </p:cNvPr>
@@ -3424,8 +3635,8 @@
         </p:nvSpPr>
         <p:spPr>
           <a:xfrm>
-            <a:off x="3630967" y="2175030"/>
-            <a:ext cx="355107" cy="372862"/>
+            <a:off x="3138252" y="2618913"/>
+            <a:ext cx="435005" cy="369332"/>
           </a:xfrm>
           <a:prstGeom prst="rect">
             <a:avLst/>
@@ -3441,6 +3652,120 @@
             <a:r>
               <a:rPr lang="de-DE" dirty="0"/>
               <a:t>b</a:t>
+            </a:r>
+          </a:p>
+        </p:txBody>
+      </p:sp>
+      <p:sp>
+        <p:nvSpPr>
+          <p:cNvPr id="19" name="Textfeld 18">
+            <a:extLst>
+              <a:ext uri="{FF2B5EF4-FFF2-40B4-BE49-F238E27FC236}">
+                <a16:creationId xmlns:a16="http://schemas.microsoft.com/office/drawing/2014/main" id="{46C14D15-353B-41DA-9FC7-AF9D0D960A86}"/>
+              </a:ext>
+            </a:extLst>
+          </p:cNvPr>
+          <p:cNvSpPr txBox="1"/>
+          <p:nvPr/>
+        </p:nvSpPr>
+        <p:spPr>
+          <a:xfrm>
+            <a:off x="2663298" y="2336592"/>
+            <a:ext cx="204188" cy="369332"/>
+          </a:xfrm>
+          <a:prstGeom prst="rect">
+            <a:avLst/>
+          </a:prstGeom>
+          <a:noFill/>
+        </p:spPr>
+        <p:txBody>
+          <a:bodyPr wrap="square" rtlCol="0">
+            <a:spAutoFit/>
+          </a:bodyPr>
+          <a:lstStyle/>
+          <a:p>
+            <a:r>
+              <a:rPr lang="de-DE" dirty="0"/>
+              <a:t>h</a:t>
+            </a:r>
+          </a:p>
+        </p:txBody>
+      </p:sp>
+      <p:cxnSp>
+        <p:nvCxnSpPr>
+          <p:cNvPr id="21" name="Gerade Verbindung mit Pfeil 20">
+            <a:extLst>
+              <a:ext uri="{FF2B5EF4-FFF2-40B4-BE49-F238E27FC236}">
+                <a16:creationId xmlns:a16="http://schemas.microsoft.com/office/drawing/2014/main" id="{69E8D9AF-0682-4984-9FA0-92CA0ECA4024}"/>
+              </a:ext>
+            </a:extLst>
+          </p:cNvPr>
+          <p:cNvCxnSpPr>
+            <a:cxnSpLocks/>
+          </p:cNvCxnSpPr>
+          <p:nvPr/>
+        </p:nvCxnSpPr>
+        <p:spPr>
+          <a:xfrm>
+            <a:off x="3573257" y="1677880"/>
+            <a:ext cx="0" cy="541537"/>
+          </a:xfrm>
+          <a:prstGeom prst="straightConnector1">
+            <a:avLst/>
+          </a:prstGeom>
+          <a:ln>
+            <a:solidFill>
+              <a:schemeClr val="tx1"/>
+            </a:solidFill>
+            <a:tailEnd type="triangle"/>
+          </a:ln>
+        </p:spPr>
+        <p:style>
+          <a:lnRef idx="1">
+            <a:schemeClr val="accent1"/>
+          </a:lnRef>
+          <a:fillRef idx="0">
+            <a:schemeClr val="accent1"/>
+          </a:fillRef>
+          <a:effectRef idx="0">
+            <a:schemeClr val="accent1"/>
+          </a:effectRef>
+          <a:fontRef idx="minor">
+            <a:schemeClr val="tx1"/>
+          </a:fontRef>
+        </p:style>
+      </p:cxnSp>
+      <p:sp>
+        <p:nvSpPr>
+          <p:cNvPr id="23" name="Textfeld 22">
+            <a:extLst>
+              <a:ext uri="{FF2B5EF4-FFF2-40B4-BE49-F238E27FC236}">
+                <a16:creationId xmlns:a16="http://schemas.microsoft.com/office/drawing/2014/main" id="{C6AB8A99-5094-4F80-9E94-A5F4F1FA05C7}"/>
+              </a:ext>
+            </a:extLst>
+          </p:cNvPr>
+          <p:cNvSpPr txBox="1"/>
+          <p:nvPr/>
+        </p:nvSpPr>
+        <p:spPr>
+          <a:xfrm>
+            <a:off x="3573257" y="1548244"/>
+            <a:ext cx="306279" cy="369332"/>
+          </a:xfrm>
+          <a:prstGeom prst="rect">
+            <a:avLst/>
+          </a:prstGeom>
+          <a:noFill/>
+        </p:spPr>
+        <p:txBody>
+          <a:bodyPr wrap="square" rtlCol="0">
+            <a:spAutoFit/>
+          </a:bodyPr>
+          <a:lstStyle/>
+          <a:p>
+            <a:r>
+              <a:rPr lang="de-DE" dirty="0"/>
+              <a:t>F</a:t>
             </a:r>
           </a:p>
         </p:txBody>
